--- a/docs/Slides/Self-Service_slides.pptx
+++ b/docs/Slides/Self-Service_slides.pptx
@@ -1061,7 +1061,7 @@
       </dgm:t>
     </dgm:pt>
     <dgm:pt modelId="{807AFDC8-A567-4FD2-8F36-0BA1C0595324}">
-      <dgm:prSet phldr="0"/>
+      <dgm:prSet phldr="0" custT="1"/>
       <dgm:spPr/>
       <dgm:t>
         <a:bodyPr/>
@@ -1069,7 +1069,7 @@
         <a:p>
           <a:pPr rtl="0"/>
           <a:r>
-            <a:rPr lang="en-US" b="0" i="0" u="none" strike="noStrike" cap="none" baseline="0" noProof="0">
+            <a:rPr lang="en-US" sz="2800" b="0" i="0" u="none" strike="noStrike" cap="none" baseline="0" noProof="0">
               <a:solidFill>
                 <a:schemeClr val="tx1"/>
               </a:solidFill>
@@ -1078,7 +1078,7 @@
             </a:rPr>
             <a:t>Callum Davies</a:t>
           </a:r>
-          <a:endParaRPr lang="en-US" b="0" i="0" u="none" strike="noStrike" cap="none" baseline="0" noProof="0">
+          <a:endParaRPr lang="en-US" sz="2800" b="0" i="0" u="none" strike="noStrike" cap="none" baseline="0" noProof="0">
             <a:solidFill>
               <a:srgbClr val="010000"/>
             </a:solidFill>
@@ -1095,7 +1095,7 @@
         <a:bodyPr/>
         <a:lstStyle/>
         <a:p>
-          <a:endParaRPr lang="en-US"/>
+          <a:endParaRPr lang="en-US" sz="2800"/>
         </a:p>
       </dgm:t>
     </dgm:pt>
@@ -1106,12 +1106,12 @@
         <a:bodyPr/>
         <a:lstStyle/>
         <a:p>
-          <a:endParaRPr lang="en-US"/>
+          <a:endParaRPr lang="en-US" sz="2800"/>
         </a:p>
       </dgm:t>
     </dgm:pt>
     <dgm:pt modelId="{88EDDE11-2AE3-42F3-850B-BCA62D7EC307}">
-      <dgm:prSet/>
+      <dgm:prSet custT="1"/>
       <dgm:spPr/>
       <dgm:t>
         <a:bodyPr/>
@@ -1119,13 +1119,13 @@
         <a:p>
           <a:pPr rtl="0"/>
           <a:r>
-            <a:rPr lang="en-US" b="0">
+            <a:rPr lang="en-US" sz="2800" b="0">
               <a:latin typeface="Calibri Light"/>
               <a:cs typeface="Calibri"/>
             </a:rPr>
             <a:t>Thomas Murphy </a:t>
           </a:r>
-          <a:endParaRPr lang="en-US" b="0" dirty="0">
+          <a:endParaRPr lang="en-US" sz="2800" b="0" dirty="0">
             <a:latin typeface="Calibri Light"/>
             <a:cs typeface="Calibri"/>
           </a:endParaRPr>
@@ -1139,7 +1139,7 @@
         <a:bodyPr/>
         <a:lstStyle/>
         <a:p>
-          <a:endParaRPr lang="en-US"/>
+          <a:endParaRPr lang="en-US" sz="2800"/>
         </a:p>
       </dgm:t>
     </dgm:pt>
@@ -1150,12 +1150,12 @@
         <a:bodyPr/>
         <a:lstStyle/>
         <a:p>
-          <a:endParaRPr lang="en-US"/>
+          <a:endParaRPr lang="en-US" sz="2800"/>
         </a:p>
       </dgm:t>
     </dgm:pt>
     <dgm:pt modelId="{20526AAA-E487-4CA5-8B9D-3D5ED043BAB0}">
-      <dgm:prSet/>
+      <dgm:prSet custT="1"/>
       <dgm:spPr/>
       <dgm:t>
         <a:bodyPr/>
@@ -1163,21 +1163,21 @@
         <a:p>
           <a:pPr rtl="0"/>
           <a:r>
-            <a:rPr lang="en-US" b="0">
+            <a:rPr lang="en-US" sz="2800" b="0">
               <a:latin typeface="Calibri Light"/>
               <a:cs typeface="Calibri"/>
             </a:rPr>
             <a:t>Ashley </a:t>
           </a:r>
           <a:r>
-            <a:rPr lang="en-US" b="0" err="1">
+            <a:rPr lang="en-US" sz="2800" b="0" err="1">
               <a:latin typeface="Calibri Light"/>
               <a:cs typeface="Calibri"/>
             </a:rPr>
             <a:t>Nnawugo</a:t>
           </a:r>
           <a:r>
-            <a:rPr lang="en-US" b="0" dirty="0">
+            <a:rPr lang="en-US" sz="2800" b="0" dirty="0">
               <a:latin typeface="Calibri Light"/>
               <a:cs typeface="Calibri"/>
             </a:rPr>
@@ -1193,7 +1193,7 @@
         <a:bodyPr/>
         <a:lstStyle/>
         <a:p>
-          <a:endParaRPr lang="en-US"/>
+          <a:endParaRPr lang="en-US" sz="2800"/>
         </a:p>
       </dgm:t>
     </dgm:pt>
@@ -1204,12 +1204,12 @@
         <a:bodyPr/>
         <a:lstStyle/>
         <a:p>
-          <a:endParaRPr lang="en-US"/>
+          <a:endParaRPr lang="en-US" sz="2800"/>
         </a:p>
       </dgm:t>
     </dgm:pt>
     <dgm:pt modelId="{A1AF88B9-1696-423C-8B16-2FADCE5F1BFA}">
-      <dgm:prSet phldr="0"/>
+      <dgm:prSet phldr="0" custT="1"/>
       <dgm:spPr/>
       <dgm:t>
         <a:bodyPr/>
@@ -1217,13 +1217,13 @@
         <a:p>
           <a:pPr rtl="0"/>
           <a:r>
-            <a:rPr lang="en-US" b="0">
+            <a:rPr lang="en-US" sz="2800" b="0">
               <a:latin typeface="Calibri Light"/>
               <a:cs typeface="Calibri"/>
             </a:rPr>
             <a:t>Zihui Xu</a:t>
           </a:r>
-          <a:endParaRPr lang="en-US" b="0" dirty="0">
+          <a:endParaRPr lang="en-US" sz="2800" b="0" dirty="0">
             <a:latin typeface="Calibri Light"/>
             <a:cs typeface="Calibri"/>
           </a:endParaRPr>
@@ -1237,7 +1237,7 @@
         <a:bodyPr/>
         <a:lstStyle/>
         <a:p>
-          <a:endParaRPr lang="en-US"/>
+          <a:endParaRPr lang="en-US" sz="2800"/>
         </a:p>
       </dgm:t>
     </dgm:pt>
@@ -1248,12 +1248,12 @@
         <a:bodyPr/>
         <a:lstStyle/>
         <a:p>
-          <a:endParaRPr lang="en-US"/>
+          <a:endParaRPr lang="en-US" sz="2800"/>
         </a:p>
       </dgm:t>
     </dgm:pt>
     <dgm:pt modelId="{0939EFF5-BCF7-4B06-9358-81B0F41B6CBB}">
-      <dgm:prSet phldr="0"/>
+      <dgm:prSet phldr="0" custT="1"/>
       <dgm:spPr/>
       <dgm:t>
         <a:bodyPr/>
@@ -1261,13 +1261,13 @@
         <a:p>
           <a:pPr rtl="0"/>
           <a:r>
-            <a:rPr lang="en-US" b="0">
+            <a:rPr lang="en-US" sz="2800" b="0">
               <a:latin typeface="Calibri Light"/>
               <a:cs typeface="Calibri"/>
             </a:rPr>
             <a:t>Shuxiang Hu </a:t>
           </a:r>
-          <a:endParaRPr lang="en-US" b="0" dirty="0">
+          <a:endParaRPr lang="en-US" sz="2800" b="0" dirty="0">
             <a:latin typeface="Calibri Light"/>
             <a:cs typeface="Calibri"/>
           </a:endParaRPr>
@@ -1277,24 +1277,59 @@
     <dgm:pt modelId="{E8745017-563F-46D9-9188-5014B4C8BB5E}" type="parTrans" cxnId="{D8609298-B75B-4C48-B8AD-742018ED97C0}">
       <dgm:prSet/>
       <dgm:spPr/>
+      <dgm:t>
+        <a:bodyPr/>
+        <a:lstStyle/>
+        <a:p>
+          <a:endParaRPr lang="en-US" sz="2800"/>
+        </a:p>
+      </dgm:t>
     </dgm:pt>
     <dgm:pt modelId="{28C1C031-7523-4C91-B064-146244564DB5}" type="sibTrans" cxnId="{D8609298-B75B-4C48-B8AD-742018ED97C0}">
       <dgm:prSet/>
       <dgm:spPr/>
+      <dgm:t>
+        <a:bodyPr/>
+        <a:lstStyle/>
+        <a:p>
+          <a:endParaRPr lang="en-US" sz="2800"/>
+        </a:p>
+      </dgm:t>
     </dgm:pt>
     <dgm:pt modelId="{F7C6F03B-557E-4413-B424-CBDC8E0DEF7D}">
-      <dgm:prSet phldr="0"/>
+      <dgm:prSet phldr="0" custT="1"/>
       <dgm:spPr/>
       <dgm:t>
         <a:bodyPr/>
         <a:lstStyle/>
         <a:p>
           <a:r>
-            <a:rPr lang="en-US" b="0">
+            <a:rPr lang="en-US" sz="2800" b="0" dirty="0" err="1">
               <a:latin typeface="Calibri Light"/>
               <a:cs typeface="Calibri"/>
             </a:rPr>
-            <a:t>Zixiang Jin </a:t>
+            <a:t>Zixiang</a:t>
+          </a:r>
+          <a:r>
+            <a:rPr lang="en-US" sz="2800" b="0" dirty="0">
+              <a:latin typeface="Calibri Light"/>
+              <a:cs typeface="Calibri"/>
+            </a:rPr>
+            <a:t> </a:t>
+          </a:r>
+          <a:r>
+            <a:rPr lang="en-US" sz="2800" b="0" dirty="0" err="1">
+              <a:latin typeface="Calibri Light"/>
+              <a:cs typeface="Calibri"/>
+            </a:rPr>
+            <a:t>Jin</a:t>
+          </a:r>
+          <a:r>
+            <a:rPr lang="en-US" sz="2800" b="0" dirty="0">
+              <a:latin typeface="Calibri Light"/>
+              <a:cs typeface="Calibri"/>
+            </a:rPr>
+            <a:t> </a:t>
           </a:r>
         </a:p>
       </dgm:t>
@@ -1302,10 +1337,24 @@
     <dgm:pt modelId="{316C62A9-7BA1-44F4-8033-34BFFFACDBDE}" type="parTrans" cxnId="{FCB53F56-0D02-41F0-9FBB-F668CE86F1BC}">
       <dgm:prSet/>
       <dgm:spPr/>
+      <dgm:t>
+        <a:bodyPr/>
+        <a:lstStyle/>
+        <a:p>
+          <a:endParaRPr lang="en-US" sz="2800"/>
+        </a:p>
+      </dgm:t>
     </dgm:pt>
     <dgm:pt modelId="{F841E2FC-0950-480A-BBCE-4E7E50C84700}" type="sibTrans" cxnId="{FCB53F56-0D02-41F0-9FBB-F668CE86F1BC}">
       <dgm:prSet/>
       <dgm:spPr/>
+      <dgm:t>
+        <a:bodyPr/>
+        <a:lstStyle/>
+        <a:p>
+          <a:endParaRPr lang="en-US" sz="2800"/>
+        </a:p>
+      </dgm:t>
     </dgm:pt>
     <dgm:pt modelId="{503014F9-C361-4E79-8418-8AF7B7815BEB}" type="pres">
       <dgm:prSet presAssocID="{1B2F9872-07A2-419D-8196-E05B610F3F18}" presName="vert0" presStyleCnt="0">
@@ -1416,9 +1465,9 @@
   </dgm:ptLst>
   <dgm:cxnLst>
     <dgm:cxn modelId="{83309627-26DE-495D-9E76-55B9BDA621FD}" srcId="{1B2F9872-07A2-419D-8196-E05B610F3F18}" destId="{A1AF88B9-1696-423C-8B16-2FADCE5F1BFA}" srcOrd="4" destOrd="0" parTransId="{0FE3D49A-9EE6-4BC2-BE11-410A95692D7B}" sibTransId="{BF2A07B0-9938-4929-8547-C36828F54487}"/>
+    <dgm:cxn modelId="{FCB53F56-0D02-41F0-9FBB-F668CE86F1BC}" srcId="{1B2F9872-07A2-419D-8196-E05B610F3F18}" destId="{F7C6F03B-557E-4413-B424-CBDC8E0DEF7D}" srcOrd="5" destOrd="0" parTransId="{316C62A9-7BA1-44F4-8033-34BFFFACDBDE}" sibTransId="{F841E2FC-0950-480A-BBCE-4E7E50C84700}"/>
     <dgm:cxn modelId="{70776865-B50F-47A4-97F9-8FEE9F9935DC}" type="presOf" srcId="{807AFDC8-A567-4FD2-8F36-0BA1C0595324}" destId="{3B018527-2572-4D9E-AA94-9B71CD1B63E2}" srcOrd="0" destOrd="0" presId="urn:microsoft.com/office/officeart/2008/layout/LinedList"/>
     <dgm:cxn modelId="{FC84B471-AF26-4838-A6C4-CFFFF54A7F70}" type="presOf" srcId="{0939EFF5-BCF7-4B06-9358-81B0F41B6CBB}" destId="{4CFB5526-4914-49FE-8304-BDBC21DA6F91}" srcOrd="0" destOrd="0" presId="urn:microsoft.com/office/officeart/2008/layout/LinedList"/>
-    <dgm:cxn modelId="{FCB53F56-0D02-41F0-9FBB-F668CE86F1BC}" srcId="{1B2F9872-07A2-419D-8196-E05B610F3F18}" destId="{F7C6F03B-557E-4413-B424-CBDC8E0DEF7D}" srcOrd="5" destOrd="0" parTransId="{316C62A9-7BA1-44F4-8033-34BFFFACDBDE}" sibTransId="{F841E2FC-0950-480A-BBCE-4E7E50C84700}"/>
     <dgm:cxn modelId="{051C2683-9E37-4F84-8054-32ADD70D3BD6}" type="presOf" srcId="{1B2F9872-07A2-419D-8196-E05B610F3F18}" destId="{503014F9-C361-4E79-8418-8AF7B7815BEB}" srcOrd="0" destOrd="0" presId="urn:microsoft.com/office/officeart/2008/layout/LinedList"/>
     <dgm:cxn modelId="{74BDC28D-5EEA-41FC-81DD-A87FEB14AB02}" srcId="{1B2F9872-07A2-419D-8196-E05B610F3F18}" destId="{20526AAA-E487-4CA5-8B9D-3D5ED043BAB0}" srcOrd="3" destOrd="0" parTransId="{928A9908-359E-43A4-A8BD-ECF48A0E601D}" sibTransId="{E04692DB-1137-40E2-8315-53E191E839C1}"/>
     <dgm:cxn modelId="{D8609298-B75B-4C48-B8AD-742018ED97C0}" srcId="{1B2F9872-07A2-419D-8196-E05B610F3F18}" destId="{0939EFF5-BCF7-4B06-9358-81B0F41B6CBB}" srcOrd="1" destOrd="0" parTransId="{E8745017-563F-46D9-9188-5014B4C8BB5E}" sibTransId="{28C1C031-7523-4C91-B064-146244564DB5}"/>
@@ -1553,12 +1602,12 @@
         <a:fontRef idx="minor"/>
       </dsp:style>
       <dsp:txBody>
-        <a:bodyPr spcFirstLastPara="0" vert="horz" wrap="square" lIns="148590" tIns="148590" rIns="148590" bIns="148590" numCol="1" spcCol="1270" anchor="t" anchorCtr="0">
+        <a:bodyPr spcFirstLastPara="0" vert="horz" wrap="square" lIns="106680" tIns="106680" rIns="106680" bIns="106680" numCol="1" spcCol="1270" anchor="t" anchorCtr="0">
           <a:noAutofit/>
         </a:bodyPr>
         <a:lstStyle/>
         <a:p>
-          <a:pPr marL="0" lvl="0" indent="0" algn="l" defTabSz="1733550" rtl="0">
+          <a:pPr marL="0" lvl="0" indent="0" algn="l" defTabSz="1244600" rtl="0">
             <a:lnSpc>
               <a:spcPct val="90000"/>
             </a:lnSpc>
@@ -1571,7 +1620,7 @@
             <a:buNone/>
           </a:pPr>
           <a:r>
-            <a:rPr lang="en-US" sz="3900" b="0" i="0" u="none" strike="noStrike" kern="1200" cap="none" baseline="0" noProof="0">
+            <a:rPr lang="en-US" sz="2800" b="0" i="0" u="none" strike="noStrike" kern="1200" cap="none" baseline="0" noProof="0">
               <a:solidFill>
                 <a:schemeClr val="tx1"/>
               </a:solidFill>
@@ -1580,7 +1629,7 @@
             </a:rPr>
             <a:t>Callum Davies</a:t>
           </a:r>
-          <a:endParaRPr lang="en-US" sz="3900" b="0" i="0" u="none" strike="noStrike" kern="1200" cap="none" baseline="0" noProof="0">
+          <a:endParaRPr lang="en-US" sz="2800" b="0" i="0" u="none" strike="noStrike" kern="1200" cap="none" baseline="0" noProof="0">
             <a:solidFill>
               <a:srgbClr val="010000"/>
             </a:solidFill>
@@ -1676,12 +1725,12 @@
         <a:fontRef idx="minor"/>
       </dsp:style>
       <dsp:txBody>
-        <a:bodyPr spcFirstLastPara="0" vert="horz" wrap="square" lIns="148590" tIns="148590" rIns="148590" bIns="148590" numCol="1" spcCol="1270" anchor="t" anchorCtr="0">
+        <a:bodyPr spcFirstLastPara="0" vert="horz" wrap="square" lIns="106680" tIns="106680" rIns="106680" bIns="106680" numCol="1" spcCol="1270" anchor="t" anchorCtr="0">
           <a:noAutofit/>
         </a:bodyPr>
         <a:lstStyle/>
         <a:p>
-          <a:pPr marL="0" lvl="0" indent="0" algn="l" defTabSz="1733550" rtl="0">
+          <a:pPr marL="0" lvl="0" indent="0" algn="l" defTabSz="1244600" rtl="0">
             <a:lnSpc>
               <a:spcPct val="90000"/>
             </a:lnSpc>
@@ -1694,13 +1743,13 @@
             <a:buNone/>
           </a:pPr>
           <a:r>
-            <a:rPr lang="en-US" sz="3900" b="0" kern="1200">
+            <a:rPr lang="en-US" sz="2800" b="0" kern="1200">
               <a:latin typeface="Calibri Light"/>
               <a:cs typeface="Calibri"/>
             </a:rPr>
             <a:t>Shuxiang Hu </a:t>
           </a:r>
-          <a:endParaRPr lang="en-US" sz="3900" b="0" kern="1200" dirty="0">
+          <a:endParaRPr lang="en-US" sz="2800" b="0" kern="1200" dirty="0">
             <a:latin typeface="Calibri Light"/>
             <a:cs typeface="Calibri"/>
           </a:endParaRPr>
@@ -1793,12 +1842,12 @@
         <a:fontRef idx="minor"/>
       </dsp:style>
       <dsp:txBody>
-        <a:bodyPr spcFirstLastPara="0" vert="horz" wrap="square" lIns="148590" tIns="148590" rIns="148590" bIns="148590" numCol="1" spcCol="1270" anchor="t" anchorCtr="0">
+        <a:bodyPr spcFirstLastPara="0" vert="horz" wrap="square" lIns="106680" tIns="106680" rIns="106680" bIns="106680" numCol="1" spcCol="1270" anchor="t" anchorCtr="0">
           <a:noAutofit/>
         </a:bodyPr>
         <a:lstStyle/>
         <a:p>
-          <a:pPr marL="0" lvl="0" indent="0" algn="l" defTabSz="1733550" rtl="0">
+          <a:pPr marL="0" lvl="0" indent="0" algn="l" defTabSz="1244600" rtl="0">
             <a:lnSpc>
               <a:spcPct val="90000"/>
             </a:lnSpc>
@@ -1811,13 +1860,13 @@
             <a:buNone/>
           </a:pPr>
           <a:r>
-            <a:rPr lang="en-US" sz="3900" b="0" kern="1200">
+            <a:rPr lang="en-US" sz="2800" b="0" kern="1200">
               <a:latin typeface="Calibri Light"/>
               <a:cs typeface="Calibri"/>
             </a:rPr>
             <a:t>Thomas Murphy </a:t>
           </a:r>
-          <a:endParaRPr lang="en-US" sz="3900" b="0" kern="1200" dirty="0">
+          <a:endParaRPr lang="en-US" sz="2800" b="0" kern="1200" dirty="0">
             <a:latin typeface="Calibri Light"/>
             <a:cs typeface="Calibri"/>
           </a:endParaRPr>
@@ -1910,12 +1959,12 @@
         <a:fontRef idx="minor"/>
       </dsp:style>
       <dsp:txBody>
-        <a:bodyPr spcFirstLastPara="0" vert="horz" wrap="square" lIns="148590" tIns="148590" rIns="148590" bIns="148590" numCol="1" spcCol="1270" anchor="t" anchorCtr="0">
+        <a:bodyPr spcFirstLastPara="0" vert="horz" wrap="square" lIns="106680" tIns="106680" rIns="106680" bIns="106680" numCol="1" spcCol="1270" anchor="t" anchorCtr="0">
           <a:noAutofit/>
         </a:bodyPr>
         <a:lstStyle/>
         <a:p>
-          <a:pPr marL="0" lvl="0" indent="0" algn="l" defTabSz="1733550" rtl="0">
+          <a:pPr marL="0" lvl="0" indent="0" algn="l" defTabSz="1244600" rtl="0">
             <a:lnSpc>
               <a:spcPct val="90000"/>
             </a:lnSpc>
@@ -1928,21 +1977,21 @@
             <a:buNone/>
           </a:pPr>
           <a:r>
-            <a:rPr lang="en-US" sz="3900" b="0" kern="1200">
+            <a:rPr lang="en-US" sz="2800" b="0" kern="1200">
               <a:latin typeface="Calibri Light"/>
               <a:cs typeface="Calibri"/>
             </a:rPr>
             <a:t>Ashley </a:t>
           </a:r>
           <a:r>
-            <a:rPr lang="en-US" sz="3900" b="0" kern="1200" err="1">
+            <a:rPr lang="en-US" sz="2800" b="0" kern="1200" err="1">
               <a:latin typeface="Calibri Light"/>
               <a:cs typeface="Calibri"/>
             </a:rPr>
             <a:t>Nnawugo</a:t>
           </a:r>
           <a:r>
-            <a:rPr lang="en-US" sz="3900" b="0" kern="1200" dirty="0">
+            <a:rPr lang="en-US" sz="2800" b="0" kern="1200" dirty="0">
               <a:latin typeface="Calibri Light"/>
               <a:cs typeface="Calibri"/>
             </a:rPr>
@@ -2037,12 +2086,12 @@
         <a:fontRef idx="minor"/>
       </dsp:style>
       <dsp:txBody>
-        <a:bodyPr spcFirstLastPara="0" vert="horz" wrap="square" lIns="148590" tIns="148590" rIns="148590" bIns="148590" numCol="1" spcCol="1270" anchor="t" anchorCtr="0">
+        <a:bodyPr spcFirstLastPara="0" vert="horz" wrap="square" lIns="106680" tIns="106680" rIns="106680" bIns="106680" numCol="1" spcCol="1270" anchor="t" anchorCtr="0">
           <a:noAutofit/>
         </a:bodyPr>
         <a:lstStyle/>
         <a:p>
-          <a:pPr marL="0" lvl="0" indent="0" algn="l" defTabSz="1733550" rtl="0">
+          <a:pPr marL="0" lvl="0" indent="0" algn="l" defTabSz="1244600" rtl="0">
             <a:lnSpc>
               <a:spcPct val="90000"/>
             </a:lnSpc>
@@ -2055,13 +2104,13 @@
             <a:buNone/>
           </a:pPr>
           <a:r>
-            <a:rPr lang="en-US" sz="3900" b="0" kern="1200">
+            <a:rPr lang="en-US" sz="2800" b="0" kern="1200">
               <a:latin typeface="Calibri Light"/>
               <a:cs typeface="Calibri"/>
             </a:rPr>
             <a:t>Zihui Xu</a:t>
           </a:r>
-          <a:endParaRPr lang="en-US" sz="3900" b="0" kern="1200" dirty="0">
+          <a:endParaRPr lang="en-US" sz="2800" b="0" kern="1200" dirty="0">
             <a:latin typeface="Calibri Light"/>
             <a:cs typeface="Calibri"/>
           </a:endParaRPr>
@@ -2154,12 +2203,12 @@
         <a:fontRef idx="minor"/>
       </dsp:style>
       <dsp:txBody>
-        <a:bodyPr spcFirstLastPara="0" vert="horz" wrap="square" lIns="148590" tIns="148590" rIns="148590" bIns="148590" numCol="1" spcCol="1270" anchor="t" anchorCtr="0">
+        <a:bodyPr spcFirstLastPara="0" vert="horz" wrap="square" lIns="106680" tIns="106680" rIns="106680" bIns="106680" numCol="1" spcCol="1270" anchor="t" anchorCtr="0">
           <a:noAutofit/>
         </a:bodyPr>
         <a:lstStyle/>
         <a:p>
-          <a:pPr marL="0" lvl="0" indent="0" algn="l" defTabSz="1733550">
+          <a:pPr marL="0" lvl="0" indent="0" algn="l" defTabSz="1244600">
             <a:lnSpc>
               <a:spcPct val="90000"/>
             </a:lnSpc>
@@ -2172,11 +2221,32 @@
             <a:buNone/>
           </a:pPr>
           <a:r>
-            <a:rPr lang="en-US" sz="3900" b="0" kern="1200">
+            <a:rPr lang="en-US" sz="2800" b="0" kern="1200" dirty="0" err="1">
               <a:latin typeface="Calibri Light"/>
               <a:cs typeface="Calibri"/>
             </a:rPr>
-            <a:t>Zixiang Jin </a:t>
+            <a:t>Zixiang</a:t>
+          </a:r>
+          <a:r>
+            <a:rPr lang="en-US" sz="2800" b="0" kern="1200" dirty="0">
+              <a:latin typeface="Calibri Light"/>
+              <a:cs typeface="Calibri"/>
+            </a:rPr>
+            <a:t> </a:t>
+          </a:r>
+          <a:r>
+            <a:rPr lang="en-US" sz="2800" b="0" kern="1200" dirty="0" err="1">
+              <a:latin typeface="Calibri Light"/>
+              <a:cs typeface="Calibri"/>
+            </a:rPr>
+            <a:t>Jin</a:t>
+          </a:r>
+          <a:r>
+            <a:rPr lang="en-US" sz="2800" b="0" kern="1200" dirty="0">
+              <a:latin typeface="Calibri Light"/>
+              <a:cs typeface="Calibri"/>
+            </a:rPr>
+            <a:t> </a:t>
           </a:r>
         </a:p>
       </dsp:txBody>
@@ -3818,7 +3888,7 @@
           <a:p>
             <a:fld id="{846CE7D5-CF57-46EF-B807-FDD0502418D4}" type="datetimeFigureOut">
               <a:rPr lang="en-US" smtClean="0"/>
-              <a:t>10/11/2020</a:t>
+              <a:t>10/12/20</a:t>
             </a:fld>
             <a:endParaRPr lang="en-US"/>
           </a:p>
@@ -3986,7 +4056,7 @@
           <a:p>
             <a:fld id="{846CE7D5-CF57-46EF-B807-FDD0502418D4}" type="datetimeFigureOut">
               <a:rPr lang="en-US" smtClean="0"/>
-              <a:t>10/11/2020</a:t>
+              <a:t>10/12/20</a:t>
             </a:fld>
             <a:endParaRPr lang="en-US"/>
           </a:p>
@@ -4164,7 +4234,7 @@
           <a:p>
             <a:fld id="{846CE7D5-CF57-46EF-B807-FDD0502418D4}" type="datetimeFigureOut">
               <a:rPr lang="en-US" smtClean="0"/>
-              <a:t>10/11/2020</a:t>
+              <a:t>10/12/20</a:t>
             </a:fld>
             <a:endParaRPr lang="en-US"/>
           </a:p>
@@ -4332,7 +4402,7 @@
           <a:p>
             <a:fld id="{846CE7D5-CF57-46EF-B807-FDD0502418D4}" type="datetimeFigureOut">
               <a:rPr lang="en-US" smtClean="0"/>
-              <a:t>10/11/2020</a:t>
+              <a:t>10/12/20</a:t>
             </a:fld>
             <a:endParaRPr lang="en-US"/>
           </a:p>
@@ -4577,7 +4647,7 @@
           <a:p>
             <a:fld id="{846CE7D5-CF57-46EF-B807-FDD0502418D4}" type="datetimeFigureOut">
               <a:rPr lang="en-US" smtClean="0"/>
-              <a:t>10/11/2020</a:t>
+              <a:t>10/12/20</a:t>
             </a:fld>
             <a:endParaRPr lang="en-US"/>
           </a:p>
@@ -4806,7 +4876,7 @@
           <a:p>
             <a:fld id="{846CE7D5-CF57-46EF-B807-FDD0502418D4}" type="datetimeFigureOut">
               <a:rPr lang="en-US" smtClean="0"/>
-              <a:t>10/11/2020</a:t>
+              <a:t>10/12/20</a:t>
             </a:fld>
             <a:endParaRPr lang="en-US"/>
           </a:p>
@@ -5170,7 +5240,7 @@
           <a:p>
             <a:fld id="{846CE7D5-CF57-46EF-B807-FDD0502418D4}" type="datetimeFigureOut">
               <a:rPr lang="en-US" smtClean="0"/>
-              <a:t>10/11/2020</a:t>
+              <a:t>10/12/20</a:t>
             </a:fld>
             <a:endParaRPr lang="en-US"/>
           </a:p>
@@ -5287,7 +5357,7 @@
           <a:p>
             <a:fld id="{846CE7D5-CF57-46EF-B807-FDD0502418D4}" type="datetimeFigureOut">
               <a:rPr lang="en-US" smtClean="0"/>
-              <a:t>10/11/2020</a:t>
+              <a:t>10/12/20</a:t>
             </a:fld>
             <a:endParaRPr lang="en-US"/>
           </a:p>
@@ -5382,7 +5452,7 @@
           <a:p>
             <a:fld id="{846CE7D5-CF57-46EF-B807-FDD0502418D4}" type="datetimeFigureOut">
               <a:rPr lang="en-US" smtClean="0"/>
-              <a:t>10/11/2020</a:t>
+              <a:t>10/12/20</a:t>
             </a:fld>
             <a:endParaRPr lang="en-US"/>
           </a:p>
@@ -5657,7 +5727,7 @@
           <a:p>
             <a:fld id="{846CE7D5-CF57-46EF-B807-FDD0502418D4}" type="datetimeFigureOut">
               <a:rPr lang="en-US" smtClean="0"/>
-              <a:t>10/11/2020</a:t>
+              <a:t>10/12/20</a:t>
             </a:fld>
             <a:endParaRPr lang="en-US"/>
           </a:p>
@@ -5912,7 +5982,7 @@
           <a:p>
             <a:fld id="{846CE7D5-CF57-46EF-B807-FDD0502418D4}" type="datetimeFigureOut">
               <a:rPr lang="en-US" smtClean="0"/>
-              <a:t>10/11/2020</a:t>
+              <a:t>10/12/20</a:t>
             </a:fld>
             <a:endParaRPr lang="en-US"/>
           </a:p>
@@ -6123,7 +6193,7 @@
           <a:p>
             <a:fld id="{846CE7D5-CF57-46EF-B807-FDD0502418D4}" type="datetimeFigureOut">
               <a:rPr lang="en-US" smtClean="0"/>
-              <a:t>10/11/2020</a:t>
+              <a:t>10/12/20</a:t>
             </a:fld>
             <a:endParaRPr lang="en-US"/>
           </a:p>
@@ -8529,7 +8599,7 @@
           <p:nvPr>
             <p:extLst>
               <p:ext uri="{D42A27DB-BD31-4B8C-83A1-F6EECF244321}">
-                <p14:modId xmlns:p14="http://schemas.microsoft.com/office/powerpoint/2010/main" val="3243219888"/>
+                <p14:modId xmlns:p14="http://schemas.microsoft.com/office/powerpoint/2010/main" val="2021680475"/>
               </p:ext>
             </p:extLst>
           </p:nvPr>
@@ -10017,26 +10087,24 @@
               <a:buNone/>
             </a:pPr>
             <a:r>
-              <a:rPr lang="en-US">
+              <a:rPr lang="en-US" dirty="0">
                 <a:cs typeface="Calibri"/>
               </a:rPr>
-              <a:t>Technology -  </a:t>
-            </a:r>
-            <a:r>
-              <a:rPr lang="en-US">
-                <a:latin typeface="Calibri Light"/>
-                <a:cs typeface="Calibri"/>
-              </a:rPr>
-              <a:t>Flutter(UI Toolkit), Dart </a:t>
+              <a:t>Technology - </a:t>
             </a:r>
             <a:r>
               <a:rPr lang="en-US" dirty="0">
                 <a:latin typeface="Calibri Light"/>
                 <a:cs typeface="Calibri"/>
               </a:rPr>
-              <a:t>(Programming language)</a:t>
+              <a:t>Flutter(UI Toolkit), Dart (Programming language)</a:t>
             </a:r>
-            <a:endParaRPr lang="en-US"/>
+          </a:p>
+          <a:p>
+            <a:pPr marL="0" indent="0">
+              <a:buNone/>
+            </a:pPr>
+            <a:endParaRPr lang="en-US" dirty="0"/>
           </a:p>
           <a:p>
             <a:pPr marL="0" indent="0">
@@ -10046,7 +10114,7 @@
               <a:rPr lang="en-US" dirty="0">
                 <a:cs typeface="Calibri"/>
               </a:rPr>
-              <a:t>API's: </a:t>
+              <a:t>API’s - </a:t>
             </a:r>
             <a:r>
               <a:rPr lang="en-US" dirty="0">
@@ -10060,27 +10128,56 @@
             <a:pPr marL="0" indent="0">
               <a:buNone/>
             </a:pPr>
+            <a:endParaRPr lang="en-US" dirty="0">
+              <a:latin typeface="Calibri Light"/>
+              <a:cs typeface="Calibri"/>
+            </a:endParaRPr>
+          </a:p>
+          <a:p>
+            <a:pPr marL="0" indent="0">
+              <a:buNone/>
+            </a:pPr>
             <a:r>
               <a:rPr lang="en-US" dirty="0">
                 <a:cs typeface="Calibri"/>
               </a:rPr>
-              <a:t>Prototyping: </a:t>
+              <a:t>Prototyping </a:t>
+            </a:r>
+            <a:r>
+              <a:rPr lang="en-US">
+                <a:cs typeface="Calibri"/>
+              </a:rPr>
+              <a:t>- </a:t>
+            </a:r>
+            <a:r>
+              <a:rPr lang="en-US">
+                <a:latin typeface="Calibri Light"/>
+                <a:cs typeface="Calibri"/>
+              </a:rPr>
+              <a:t>Proto</a:t>
+            </a:r>
+            <a:r>
+              <a:rPr lang="en-US" dirty="0" err="1">
+                <a:latin typeface="Calibri Light"/>
+                <a:cs typeface="Calibri"/>
+              </a:rPr>
+              <a:t>.io</a:t>
             </a:r>
             <a:r>
               <a:rPr lang="en-US" dirty="0">
                 <a:latin typeface="Calibri Light"/>
                 <a:cs typeface="Calibri"/>
               </a:rPr>
-              <a:t>Proto.io, Adobe XD, </a:t>
+              <a:t>, Adobe XD, </a:t>
             </a:r>
             <a:r>
-              <a:rPr lang="en-US" err="1">
+              <a:rPr lang="en-US" dirty="0" err="1">
                 <a:latin typeface="Calibri Light"/>
                 <a:cs typeface="Calibri"/>
               </a:rPr>
               <a:t>FluidUI</a:t>
             </a:r>
-            <a:endParaRPr lang="en-US">
+            <a:endParaRPr lang="en-US" dirty="0">
               <a:latin typeface="Calibri Light"/>
               <a:cs typeface="Calibri"/>
             </a:endParaRPr>
